--- a/address/pptA2CD.pptx
+++ b/address/pptA2CD.pptx
@@ -6,6 +6,7 @@
   </p:sldMasterIdLst>
   <p:sldIdLst>
     <p:sldId id="256" r:id="rId2"/>
+    <p:sldId id="257" r:id="rId3"/>
   </p:sldIdLst>
   <p:sldSz cx="12192000" cy="6858000"/>
   <p:notesSz cx="6858000" cy="9144000"/>
@@ -259,7 +260,7 @@
           <a:p>
             <a:fld id="{F51B1642-642C-4CCE-BEAB-266DDC5D5354}" type="datetimeFigureOut">
               <a:rPr lang="zh-CN" altLang="en-US" smtClean="0"/>
-              <a:t>2020/1/16</a:t>
+              <a:t>2020/1/17</a:t>
             </a:fld>
             <a:endParaRPr lang="zh-CN" altLang="en-US"/>
           </a:p>
@@ -457,7 +458,7 @@
           <a:p>
             <a:fld id="{F51B1642-642C-4CCE-BEAB-266DDC5D5354}" type="datetimeFigureOut">
               <a:rPr lang="zh-CN" altLang="en-US" smtClean="0"/>
-              <a:t>2020/1/16</a:t>
+              <a:t>2020/1/17</a:t>
             </a:fld>
             <a:endParaRPr lang="zh-CN" altLang="en-US"/>
           </a:p>
@@ -665,7 +666,7 @@
           <a:p>
             <a:fld id="{F51B1642-642C-4CCE-BEAB-266DDC5D5354}" type="datetimeFigureOut">
               <a:rPr lang="zh-CN" altLang="en-US" smtClean="0"/>
-              <a:t>2020/1/16</a:t>
+              <a:t>2020/1/17</a:t>
             </a:fld>
             <a:endParaRPr lang="zh-CN" altLang="en-US"/>
           </a:p>
@@ -863,7 +864,7 @@
           <a:p>
             <a:fld id="{F51B1642-642C-4CCE-BEAB-266DDC5D5354}" type="datetimeFigureOut">
               <a:rPr lang="zh-CN" altLang="en-US" smtClean="0"/>
-              <a:t>2020/1/16</a:t>
+              <a:t>2020/1/17</a:t>
             </a:fld>
             <a:endParaRPr lang="zh-CN" altLang="en-US"/>
           </a:p>
@@ -1138,7 +1139,7 @@
           <a:p>
             <a:fld id="{F51B1642-642C-4CCE-BEAB-266DDC5D5354}" type="datetimeFigureOut">
               <a:rPr lang="zh-CN" altLang="en-US" smtClean="0"/>
-              <a:t>2020/1/16</a:t>
+              <a:t>2020/1/17</a:t>
             </a:fld>
             <a:endParaRPr lang="zh-CN" altLang="en-US"/>
           </a:p>
@@ -1403,7 +1404,7 @@
           <a:p>
             <a:fld id="{F51B1642-642C-4CCE-BEAB-266DDC5D5354}" type="datetimeFigureOut">
               <a:rPr lang="zh-CN" altLang="en-US" smtClean="0"/>
-              <a:t>2020/1/16</a:t>
+              <a:t>2020/1/17</a:t>
             </a:fld>
             <a:endParaRPr lang="zh-CN" altLang="en-US"/>
           </a:p>
@@ -1815,7 +1816,7 @@
           <a:p>
             <a:fld id="{F51B1642-642C-4CCE-BEAB-266DDC5D5354}" type="datetimeFigureOut">
               <a:rPr lang="zh-CN" altLang="en-US" smtClean="0"/>
-              <a:t>2020/1/16</a:t>
+              <a:t>2020/1/17</a:t>
             </a:fld>
             <a:endParaRPr lang="zh-CN" altLang="en-US"/>
           </a:p>
@@ -1956,7 +1957,7 @@
           <a:p>
             <a:fld id="{F51B1642-642C-4CCE-BEAB-266DDC5D5354}" type="datetimeFigureOut">
               <a:rPr lang="zh-CN" altLang="en-US" smtClean="0"/>
-              <a:t>2020/1/16</a:t>
+              <a:t>2020/1/17</a:t>
             </a:fld>
             <a:endParaRPr lang="zh-CN" altLang="en-US"/>
           </a:p>
@@ -2069,7 +2070,7 @@
           <a:p>
             <a:fld id="{F51B1642-642C-4CCE-BEAB-266DDC5D5354}" type="datetimeFigureOut">
               <a:rPr lang="zh-CN" altLang="en-US" smtClean="0"/>
-              <a:t>2020/1/16</a:t>
+              <a:t>2020/1/17</a:t>
             </a:fld>
             <a:endParaRPr lang="zh-CN" altLang="en-US"/>
           </a:p>
@@ -2380,7 +2381,7 @@
           <a:p>
             <a:fld id="{F51B1642-642C-4CCE-BEAB-266DDC5D5354}" type="datetimeFigureOut">
               <a:rPr lang="zh-CN" altLang="en-US" smtClean="0"/>
-              <a:t>2020/1/16</a:t>
+              <a:t>2020/1/17</a:t>
             </a:fld>
             <a:endParaRPr lang="zh-CN" altLang="en-US"/>
           </a:p>
@@ -2668,7 +2669,7 @@
           <a:p>
             <a:fld id="{F51B1642-642C-4CCE-BEAB-266DDC5D5354}" type="datetimeFigureOut">
               <a:rPr lang="zh-CN" altLang="en-US" smtClean="0"/>
-              <a:t>2020/1/16</a:t>
+              <a:t>2020/1/17</a:t>
             </a:fld>
             <a:endParaRPr lang="zh-CN" altLang="en-US"/>
           </a:p>
@@ -2909,7 +2910,7 @@
           <a:p>
             <a:fld id="{F51B1642-642C-4CCE-BEAB-266DDC5D5354}" type="datetimeFigureOut">
               <a:rPr lang="zh-CN" altLang="en-US" smtClean="0"/>
-              <a:t>2020/1/16</a:t>
+              <a:t>2020/1/17</a:t>
             </a:fld>
             <a:endParaRPr lang="zh-CN" altLang="en-US"/>
           </a:p>
@@ -4605,6 +4606,835 @@
 </p:sld>
 </file>
 
+<file path=ppt/slides/slide2.xml><?xml version="1.0" encoding="utf-8"?>
+<p:sld xmlns:a="http://schemas.openxmlformats.org/drawingml/2006/main" xmlns:r="http://schemas.openxmlformats.org/officeDocument/2006/relationships" xmlns:p="http://schemas.openxmlformats.org/presentationml/2006/main">
+  <p:cSld>
+    <p:spTree>
+      <p:nvGrpSpPr>
+        <p:cNvPr id="1" name=""/>
+        <p:cNvGrpSpPr/>
+        <p:nvPr/>
+      </p:nvGrpSpPr>
+      <p:grpSpPr>
+        <a:xfrm>
+          <a:off x="0" y="0"/>
+          <a:ext cx="0" cy="0"/>
+          <a:chOff x="0" y="0"/>
+          <a:chExt cx="0" cy="0"/>
+        </a:xfrm>
+      </p:grpSpPr>
+      <p:sp>
+        <p:nvSpPr>
+          <p:cNvPr id="17" name="矩形: 圆角 16">
+            <a:extLst>
+              <a:ext uri="{FF2B5EF4-FFF2-40B4-BE49-F238E27FC236}">
+                <a16:creationId xmlns:a16="http://schemas.microsoft.com/office/drawing/2014/main" id="{CFD153C2-59B2-4906-96AE-C553D2020761}"/>
+              </a:ext>
+            </a:extLst>
+          </p:cNvPr>
+          <p:cNvSpPr/>
+          <p:nvPr/>
+        </p:nvSpPr>
+        <p:spPr>
+          <a:xfrm>
+            <a:off x="1514919" y="598187"/>
+            <a:ext cx="7842934" cy="4947208"/>
+          </a:xfrm>
+          <a:prstGeom prst="roundRect">
+            <a:avLst/>
+          </a:prstGeom>
+          <a:solidFill>
+            <a:schemeClr val="bg1"/>
+          </a:solidFill>
+          <a:ln>
+            <a:solidFill>
+              <a:schemeClr val="tx1"/>
+            </a:solidFill>
+          </a:ln>
+        </p:spPr>
+        <p:style>
+          <a:lnRef idx="2">
+            <a:schemeClr val="accent1">
+              <a:shade val="50000"/>
+            </a:schemeClr>
+          </a:lnRef>
+          <a:fillRef idx="1">
+            <a:schemeClr val="accent1"/>
+          </a:fillRef>
+          <a:effectRef idx="0">
+            <a:schemeClr val="accent1"/>
+          </a:effectRef>
+          <a:fontRef idx="minor">
+            <a:schemeClr val="lt1"/>
+          </a:fontRef>
+        </p:style>
+        <p:txBody>
+          <a:bodyPr rtlCol="0" anchor="ctr"/>
+          <a:lstStyle/>
+          <a:p>
+            <a:pPr algn="ctr"/>
+            <a:endParaRPr lang="zh-CN" altLang="en-US" dirty="0"/>
+          </a:p>
+        </p:txBody>
+      </p:sp>
+      <p:sp>
+        <p:nvSpPr>
+          <p:cNvPr id="4" name="矩形: 圆角 3">
+            <a:extLst>
+              <a:ext uri="{FF2B5EF4-FFF2-40B4-BE49-F238E27FC236}">
+                <a16:creationId xmlns:a16="http://schemas.microsoft.com/office/drawing/2014/main" id="{D47A7636-11EA-4CF7-A8BC-B4DB64407253}"/>
+              </a:ext>
+            </a:extLst>
+          </p:cNvPr>
+          <p:cNvSpPr/>
+          <p:nvPr/>
+        </p:nvSpPr>
+        <p:spPr>
+          <a:xfrm>
+            <a:off x="1696945" y="778514"/>
+            <a:ext cx="6789588" cy="3813460"/>
+          </a:xfrm>
+          <a:prstGeom prst="roundRect">
+            <a:avLst/>
+          </a:prstGeom>
+          <a:solidFill>
+            <a:schemeClr val="bg1"/>
+          </a:solidFill>
+          <a:ln>
+            <a:solidFill>
+              <a:schemeClr val="tx1"/>
+            </a:solidFill>
+          </a:ln>
+        </p:spPr>
+        <p:style>
+          <a:lnRef idx="2">
+            <a:schemeClr val="accent1">
+              <a:shade val="50000"/>
+            </a:schemeClr>
+          </a:lnRef>
+          <a:fillRef idx="1">
+            <a:schemeClr val="accent1"/>
+          </a:fillRef>
+          <a:effectRef idx="0">
+            <a:schemeClr val="accent1"/>
+          </a:effectRef>
+          <a:fontRef idx="minor">
+            <a:schemeClr val="lt1"/>
+          </a:fontRef>
+        </p:style>
+        <p:txBody>
+          <a:bodyPr rtlCol="0" anchor="ctr"/>
+          <a:lstStyle/>
+          <a:p>
+            <a:pPr algn="ctr"/>
+            <a:endParaRPr lang="zh-CN" altLang="en-US" dirty="0"/>
+          </a:p>
+        </p:txBody>
+      </p:sp>
+      <p:sp>
+        <p:nvSpPr>
+          <p:cNvPr id="5" name="文本框 4">
+            <a:extLst>
+              <a:ext uri="{FF2B5EF4-FFF2-40B4-BE49-F238E27FC236}">
+                <a16:creationId xmlns:a16="http://schemas.microsoft.com/office/drawing/2014/main" id="{B530C801-B076-4BD8-89FE-0E096214B3FF}"/>
+              </a:ext>
+            </a:extLst>
+          </p:cNvPr>
+          <p:cNvSpPr txBox="1"/>
+          <p:nvPr/>
+        </p:nvSpPr>
+        <p:spPr>
+          <a:xfrm>
+            <a:off x="2350675" y="3966150"/>
+            <a:ext cx="3536649" cy="646331"/>
+          </a:xfrm>
+          <a:prstGeom prst="rect">
+            <a:avLst/>
+          </a:prstGeom>
+          <a:noFill/>
+        </p:spPr>
+        <p:txBody>
+          <a:bodyPr wrap="square" rtlCol="0">
+            <a:spAutoFit/>
+          </a:bodyPr>
+          <a:lstStyle/>
+          <a:p>
+            <a:r>
+              <a:rPr lang="zh-CN" altLang="en-US" sz="3600" dirty="0">
+                <a:solidFill>
+                  <a:schemeClr val="accent6"/>
+                </a:solidFill>
+              </a:rPr>
+              <a:t>非对称式密码学</a:t>
+            </a:r>
+          </a:p>
+        </p:txBody>
+      </p:sp>
+      <p:sp>
+        <p:nvSpPr>
+          <p:cNvPr id="7" name="矩形: 圆角 6">
+            <a:extLst>
+              <a:ext uri="{FF2B5EF4-FFF2-40B4-BE49-F238E27FC236}">
+                <a16:creationId xmlns:a16="http://schemas.microsoft.com/office/drawing/2014/main" id="{2437AA2D-2F64-489B-82EE-C8668C478A0C}"/>
+              </a:ext>
+            </a:extLst>
+          </p:cNvPr>
+          <p:cNvSpPr/>
+          <p:nvPr/>
+        </p:nvSpPr>
+        <p:spPr>
+          <a:xfrm>
+            <a:off x="1886190" y="915820"/>
+            <a:ext cx="5243701" cy="3006224"/>
+          </a:xfrm>
+          <a:prstGeom prst="roundRect">
+            <a:avLst/>
+          </a:prstGeom>
+          <a:solidFill>
+            <a:schemeClr val="bg1"/>
+          </a:solidFill>
+          <a:ln>
+            <a:solidFill>
+              <a:schemeClr val="tx1"/>
+            </a:solidFill>
+          </a:ln>
+        </p:spPr>
+        <p:style>
+          <a:lnRef idx="2">
+            <a:schemeClr val="accent1">
+              <a:shade val="50000"/>
+            </a:schemeClr>
+          </a:lnRef>
+          <a:fillRef idx="1">
+            <a:schemeClr val="accent1"/>
+          </a:fillRef>
+          <a:effectRef idx="0">
+            <a:schemeClr val="accent1"/>
+          </a:effectRef>
+          <a:fontRef idx="minor">
+            <a:schemeClr val="lt1"/>
+          </a:fontRef>
+        </p:style>
+        <p:txBody>
+          <a:bodyPr rtlCol="0" anchor="ctr"/>
+          <a:lstStyle/>
+          <a:p>
+            <a:pPr algn="ctr"/>
+            <a:endParaRPr lang="zh-CN" altLang="en-US" dirty="0"/>
+          </a:p>
+        </p:txBody>
+      </p:sp>
+      <p:sp>
+        <p:nvSpPr>
+          <p:cNvPr id="9" name="文本框 8">
+            <a:extLst>
+              <a:ext uri="{FF2B5EF4-FFF2-40B4-BE49-F238E27FC236}">
+                <a16:creationId xmlns:a16="http://schemas.microsoft.com/office/drawing/2014/main" id="{D2537BC8-B589-4721-A343-3645C3A43253}"/>
+              </a:ext>
+            </a:extLst>
+          </p:cNvPr>
+          <p:cNvSpPr txBox="1"/>
+          <p:nvPr/>
+        </p:nvSpPr>
+        <p:spPr>
+          <a:xfrm>
+            <a:off x="2350675" y="3450443"/>
+            <a:ext cx="3497482" cy="523220"/>
+          </a:xfrm>
+          <a:prstGeom prst="rect">
+            <a:avLst/>
+          </a:prstGeom>
+          <a:noFill/>
+        </p:spPr>
+        <p:txBody>
+          <a:bodyPr wrap="square" rtlCol="0">
+            <a:spAutoFit/>
+          </a:bodyPr>
+          <a:lstStyle/>
+          <a:p>
+            <a:r>
+              <a:rPr lang="zh-CN" altLang="en-US" sz="2800" dirty="0">
+                <a:solidFill>
+                  <a:schemeClr val="accent5"/>
+                </a:solidFill>
+              </a:rPr>
+              <a:t>椭圆曲线密码学</a:t>
+            </a:r>
+            <a:r>
+              <a:rPr lang="en-US" altLang="zh-CN" sz="2800" dirty="0">
+                <a:solidFill>
+                  <a:schemeClr val="accent5"/>
+                </a:solidFill>
+              </a:rPr>
+              <a:t>ECC</a:t>
+            </a:r>
+            <a:endParaRPr lang="zh-CN" altLang="en-US" sz="2800" dirty="0">
+              <a:solidFill>
+                <a:schemeClr val="accent5"/>
+              </a:solidFill>
+            </a:endParaRPr>
+          </a:p>
+        </p:txBody>
+      </p:sp>
+      <p:sp>
+        <p:nvSpPr>
+          <p:cNvPr id="10" name="文本框 9">
+            <a:extLst>
+              <a:ext uri="{FF2B5EF4-FFF2-40B4-BE49-F238E27FC236}">
+                <a16:creationId xmlns:a16="http://schemas.microsoft.com/office/drawing/2014/main" id="{1F529F48-7394-46D1-A8AE-AF86E95356BA}"/>
+              </a:ext>
+            </a:extLst>
+          </p:cNvPr>
+          <p:cNvSpPr txBox="1"/>
+          <p:nvPr/>
+        </p:nvSpPr>
+        <p:spPr>
+          <a:xfrm>
+            <a:off x="7192100" y="1508311"/>
+            <a:ext cx="1232223" cy="519349"/>
+          </a:xfrm>
+          <a:prstGeom prst="rect">
+            <a:avLst/>
+          </a:prstGeom>
+          <a:noFill/>
+          <a:ln>
+            <a:solidFill>
+              <a:schemeClr val="tx1"/>
+            </a:solidFill>
+          </a:ln>
+        </p:spPr>
+        <p:txBody>
+          <a:bodyPr wrap="square" rtlCol="0">
+            <a:spAutoFit/>
+          </a:bodyPr>
+          <a:lstStyle/>
+          <a:p>
+            <a:pPr algn="ctr"/>
+            <a:r>
+              <a:rPr lang="en-US" altLang="zh-CN" sz="2800" dirty="0">
+                <a:solidFill>
+                  <a:schemeClr val="accent5"/>
+                </a:solidFill>
+              </a:rPr>
+              <a:t>D-H</a:t>
+            </a:r>
+            <a:endParaRPr lang="zh-CN" altLang="en-US" sz="2800" dirty="0">
+              <a:solidFill>
+                <a:schemeClr val="accent5"/>
+              </a:solidFill>
+            </a:endParaRPr>
+          </a:p>
+        </p:txBody>
+      </p:sp>
+      <p:sp>
+        <p:nvSpPr>
+          <p:cNvPr id="13" name="矩形: 圆角 12">
+            <a:extLst>
+              <a:ext uri="{FF2B5EF4-FFF2-40B4-BE49-F238E27FC236}">
+                <a16:creationId xmlns:a16="http://schemas.microsoft.com/office/drawing/2014/main" id="{759527F3-7F69-4E6C-B732-45A1947EA59E}"/>
+              </a:ext>
+            </a:extLst>
+          </p:cNvPr>
+          <p:cNvSpPr/>
+          <p:nvPr/>
+        </p:nvSpPr>
+        <p:spPr>
+          <a:xfrm>
+            <a:off x="2075683" y="1077347"/>
+            <a:ext cx="3870300" cy="2335315"/>
+          </a:xfrm>
+          <a:prstGeom prst="roundRect">
+            <a:avLst/>
+          </a:prstGeom>
+          <a:solidFill>
+            <a:schemeClr val="bg1"/>
+          </a:solidFill>
+          <a:ln>
+            <a:solidFill>
+              <a:schemeClr val="tx1"/>
+            </a:solidFill>
+          </a:ln>
+        </p:spPr>
+        <p:style>
+          <a:lnRef idx="2">
+            <a:schemeClr val="accent1">
+              <a:shade val="50000"/>
+            </a:schemeClr>
+          </a:lnRef>
+          <a:fillRef idx="1">
+            <a:schemeClr val="accent1"/>
+          </a:fillRef>
+          <a:effectRef idx="0">
+            <a:schemeClr val="accent1"/>
+          </a:effectRef>
+          <a:fontRef idx="minor">
+            <a:schemeClr val="lt1"/>
+          </a:fontRef>
+        </p:style>
+        <p:txBody>
+          <a:bodyPr rtlCol="0" anchor="ctr"/>
+          <a:lstStyle/>
+          <a:p>
+            <a:pPr algn="ctr"/>
+            <a:endParaRPr lang="zh-CN" altLang="en-US" dirty="0"/>
+          </a:p>
+        </p:txBody>
+      </p:sp>
+      <p:sp>
+        <p:nvSpPr>
+          <p:cNvPr id="14" name="文本框 13">
+            <a:extLst>
+              <a:ext uri="{FF2B5EF4-FFF2-40B4-BE49-F238E27FC236}">
+                <a16:creationId xmlns:a16="http://schemas.microsoft.com/office/drawing/2014/main" id="{F16BB3F8-81E0-47F8-BF3E-E4D9A055A724}"/>
+              </a:ext>
+            </a:extLst>
+          </p:cNvPr>
+          <p:cNvSpPr txBox="1"/>
+          <p:nvPr/>
+        </p:nvSpPr>
+        <p:spPr>
+          <a:xfrm>
+            <a:off x="6038724" y="2401813"/>
+            <a:ext cx="998426" cy="397150"/>
+          </a:xfrm>
+          <a:prstGeom prst="rect">
+            <a:avLst/>
+          </a:prstGeom>
+          <a:noFill/>
+          <a:ln>
+            <a:solidFill>
+              <a:schemeClr val="tx1"/>
+            </a:solidFill>
+          </a:ln>
+        </p:spPr>
+        <p:txBody>
+          <a:bodyPr wrap="square" rtlCol="0">
+            <a:spAutoFit/>
+          </a:bodyPr>
+          <a:lstStyle/>
+          <a:p>
+            <a:pPr algn="ctr"/>
+            <a:r>
+              <a:rPr lang="en-US" altLang="zh-CN" sz="2000" dirty="0">
+                <a:solidFill>
+                  <a:schemeClr val="accent4"/>
+                </a:solidFill>
+              </a:rPr>
+              <a:t>ECDH</a:t>
+            </a:r>
+            <a:endParaRPr lang="zh-CN" altLang="en-US" sz="2000" dirty="0">
+              <a:solidFill>
+                <a:schemeClr val="accent4"/>
+              </a:solidFill>
+            </a:endParaRPr>
+          </a:p>
+        </p:txBody>
+      </p:sp>
+      <p:sp>
+        <p:nvSpPr>
+          <p:cNvPr id="16" name="文本框 15">
+            <a:extLst>
+              <a:ext uri="{FF2B5EF4-FFF2-40B4-BE49-F238E27FC236}">
+                <a16:creationId xmlns:a16="http://schemas.microsoft.com/office/drawing/2014/main" id="{B7DE4B11-0916-4210-A0AD-3AF85E7BCC4B}"/>
+              </a:ext>
+            </a:extLst>
+          </p:cNvPr>
+          <p:cNvSpPr txBox="1"/>
+          <p:nvPr/>
+        </p:nvSpPr>
+        <p:spPr>
+          <a:xfrm>
+            <a:off x="2350675" y="2745704"/>
+            <a:ext cx="1991606" cy="707886"/>
+          </a:xfrm>
+          <a:prstGeom prst="rect">
+            <a:avLst/>
+          </a:prstGeom>
+          <a:noFill/>
+          <a:ln>
+            <a:solidFill>
+              <a:schemeClr val="bg1"/>
+            </a:solidFill>
+          </a:ln>
+        </p:spPr>
+        <p:txBody>
+          <a:bodyPr wrap="square" rtlCol="0">
+            <a:spAutoFit/>
+          </a:bodyPr>
+          <a:lstStyle/>
+          <a:p>
+            <a:pPr algn="ctr"/>
+            <a:r>
+              <a:rPr lang="zh-CN" altLang="en-US" sz="2000" dirty="0">
+                <a:solidFill>
+                  <a:schemeClr val="accent4"/>
+                </a:solidFill>
+              </a:rPr>
+              <a:t>椭圆曲线数字签名算法</a:t>
+            </a:r>
+            <a:r>
+              <a:rPr lang="en-US" altLang="zh-CN" sz="2000" dirty="0">
+                <a:solidFill>
+                  <a:schemeClr val="accent4"/>
+                </a:solidFill>
+              </a:rPr>
+              <a:t>ECDSA</a:t>
+            </a:r>
+            <a:endParaRPr lang="zh-CN" altLang="en-US" sz="2000" dirty="0">
+              <a:solidFill>
+                <a:schemeClr val="accent4"/>
+              </a:solidFill>
+            </a:endParaRPr>
+          </a:p>
+        </p:txBody>
+      </p:sp>
+      <p:sp>
+        <p:nvSpPr>
+          <p:cNvPr id="18" name="文本框 17">
+            <a:extLst>
+              <a:ext uri="{FF2B5EF4-FFF2-40B4-BE49-F238E27FC236}">
+                <a16:creationId xmlns:a16="http://schemas.microsoft.com/office/drawing/2014/main" id="{F22D1939-95E2-47A3-9F94-37599070C80E}"/>
+              </a:ext>
+            </a:extLst>
+          </p:cNvPr>
+          <p:cNvSpPr txBox="1"/>
+          <p:nvPr/>
+        </p:nvSpPr>
+        <p:spPr>
+          <a:xfrm>
+            <a:off x="2355644" y="4660453"/>
+            <a:ext cx="3536650" cy="824849"/>
+          </a:xfrm>
+          <a:prstGeom prst="rect">
+            <a:avLst/>
+          </a:prstGeom>
+          <a:noFill/>
+        </p:spPr>
+        <p:txBody>
+          <a:bodyPr wrap="square" rtlCol="0">
+            <a:spAutoFit/>
+          </a:bodyPr>
+          <a:lstStyle/>
+          <a:p>
+            <a:r>
+              <a:rPr lang="zh-CN" altLang="en-US" sz="4800" dirty="0"/>
+              <a:t>密码学</a:t>
+            </a:r>
+          </a:p>
+        </p:txBody>
+      </p:sp>
+      <p:sp>
+        <p:nvSpPr>
+          <p:cNvPr id="20" name="文本框 19">
+            <a:extLst>
+              <a:ext uri="{FF2B5EF4-FFF2-40B4-BE49-F238E27FC236}">
+                <a16:creationId xmlns:a16="http://schemas.microsoft.com/office/drawing/2014/main" id="{81720736-1789-4FFE-9E17-1F1BEC74A177}"/>
+              </a:ext>
+            </a:extLst>
+          </p:cNvPr>
+          <p:cNvSpPr txBox="1"/>
+          <p:nvPr/>
+        </p:nvSpPr>
+        <p:spPr>
+          <a:xfrm>
+            <a:off x="5091739" y="4749288"/>
+            <a:ext cx="3715009" cy="646331"/>
+          </a:xfrm>
+          <a:prstGeom prst="rect">
+            <a:avLst/>
+          </a:prstGeom>
+          <a:noFill/>
+          <a:ln>
+            <a:solidFill>
+              <a:schemeClr val="tx1"/>
+            </a:solidFill>
+          </a:ln>
+        </p:spPr>
+        <p:txBody>
+          <a:bodyPr wrap="square" rtlCol="0">
+            <a:spAutoFit/>
+          </a:bodyPr>
+          <a:lstStyle/>
+          <a:p>
+            <a:pPr algn="ctr"/>
+            <a:r>
+              <a:rPr lang="zh-CN" altLang="en-US" sz="3600" dirty="0">
+                <a:solidFill>
+                  <a:schemeClr val="accent6"/>
+                </a:solidFill>
+              </a:rPr>
+              <a:t>对称密钥密码学</a:t>
+            </a:r>
+          </a:p>
+        </p:txBody>
+      </p:sp>
+      <p:sp>
+        <p:nvSpPr>
+          <p:cNvPr id="21" name="文本框 20">
+            <a:extLst>
+              <a:ext uri="{FF2B5EF4-FFF2-40B4-BE49-F238E27FC236}">
+                <a16:creationId xmlns:a16="http://schemas.microsoft.com/office/drawing/2014/main" id="{AAE8476A-35E7-4911-951B-D9746E709FAD}"/>
+              </a:ext>
+            </a:extLst>
+          </p:cNvPr>
+          <p:cNvSpPr txBox="1"/>
+          <p:nvPr/>
+        </p:nvSpPr>
+        <p:spPr>
+          <a:xfrm>
+            <a:off x="7192099" y="2571655"/>
+            <a:ext cx="1232223" cy="519349"/>
+          </a:xfrm>
+          <a:prstGeom prst="rect">
+            <a:avLst/>
+          </a:prstGeom>
+          <a:noFill/>
+          <a:ln>
+            <a:solidFill>
+              <a:schemeClr val="tx1"/>
+            </a:solidFill>
+          </a:ln>
+        </p:spPr>
+        <p:txBody>
+          <a:bodyPr wrap="square" rtlCol="0">
+            <a:spAutoFit/>
+          </a:bodyPr>
+          <a:lstStyle/>
+          <a:p>
+            <a:pPr algn="ctr"/>
+            <a:r>
+              <a:rPr lang="en-US" altLang="zh-CN" sz="2800" dirty="0">
+                <a:solidFill>
+                  <a:schemeClr val="accent5"/>
+                </a:solidFill>
+              </a:rPr>
+              <a:t>RSA</a:t>
+            </a:r>
+            <a:endParaRPr lang="zh-CN" altLang="en-US" sz="2800" dirty="0">
+              <a:solidFill>
+                <a:schemeClr val="accent5"/>
+              </a:solidFill>
+            </a:endParaRPr>
+          </a:p>
+        </p:txBody>
+      </p:sp>
+      <p:sp>
+        <p:nvSpPr>
+          <p:cNvPr id="22" name="矩形: 圆角 21">
+            <a:extLst>
+              <a:ext uri="{FF2B5EF4-FFF2-40B4-BE49-F238E27FC236}">
+                <a16:creationId xmlns:a16="http://schemas.microsoft.com/office/drawing/2014/main" id="{0BE02DF7-26BE-4983-98C7-E86EADF5748B}"/>
+              </a:ext>
+            </a:extLst>
+          </p:cNvPr>
+          <p:cNvSpPr/>
+          <p:nvPr/>
+        </p:nvSpPr>
+        <p:spPr>
+          <a:xfrm>
+            <a:off x="2228083" y="1229747"/>
+            <a:ext cx="2656818" cy="1469677"/>
+          </a:xfrm>
+          <a:prstGeom prst="roundRect">
+            <a:avLst/>
+          </a:prstGeom>
+          <a:solidFill>
+            <a:schemeClr val="bg1"/>
+          </a:solidFill>
+          <a:ln>
+            <a:solidFill>
+              <a:schemeClr val="tx1"/>
+            </a:solidFill>
+          </a:ln>
+        </p:spPr>
+        <p:style>
+          <a:lnRef idx="2">
+            <a:schemeClr val="accent1">
+              <a:shade val="50000"/>
+            </a:schemeClr>
+          </a:lnRef>
+          <a:fillRef idx="1">
+            <a:schemeClr val="accent1"/>
+          </a:fillRef>
+          <a:effectRef idx="0">
+            <a:schemeClr val="accent1"/>
+          </a:effectRef>
+          <a:fontRef idx="minor">
+            <a:schemeClr val="lt1"/>
+          </a:fontRef>
+        </p:style>
+        <p:txBody>
+          <a:bodyPr rtlCol="0" anchor="ctr"/>
+          <a:lstStyle/>
+          <a:p>
+            <a:pPr algn="ctr"/>
+            <a:endParaRPr lang="zh-CN" altLang="en-US" dirty="0"/>
+          </a:p>
+        </p:txBody>
+      </p:sp>
+      <p:sp>
+        <p:nvSpPr>
+          <p:cNvPr id="27" name="文本框 26">
+            <a:extLst>
+              <a:ext uri="{FF2B5EF4-FFF2-40B4-BE49-F238E27FC236}">
+                <a16:creationId xmlns:a16="http://schemas.microsoft.com/office/drawing/2014/main" id="{C9CBF762-D65D-44C0-8688-614837C7989E}"/>
+              </a:ext>
+            </a:extLst>
+          </p:cNvPr>
+          <p:cNvSpPr txBox="1"/>
+          <p:nvPr/>
+        </p:nvSpPr>
+        <p:spPr>
+          <a:xfrm>
+            <a:off x="4658251" y="2767903"/>
+            <a:ext cx="1209305" cy="336049"/>
+          </a:xfrm>
+          <a:prstGeom prst="rect">
+            <a:avLst/>
+          </a:prstGeom>
+          <a:noFill/>
+          <a:ln>
+            <a:solidFill>
+              <a:schemeClr val="tx1"/>
+            </a:solidFill>
+          </a:ln>
+        </p:spPr>
+        <p:txBody>
+          <a:bodyPr wrap="square" rtlCol="0">
+            <a:spAutoFit/>
+          </a:bodyPr>
+          <a:lstStyle/>
+          <a:p>
+            <a:pPr algn="ctr"/>
+            <a:r>
+              <a:rPr lang="en-US" altLang="zh-CN" sz="1600" dirty="0">
+                <a:solidFill>
+                  <a:srgbClr val="7030A0"/>
+                </a:solidFill>
+              </a:rPr>
+              <a:t>Secp256r1</a:t>
+            </a:r>
+            <a:endParaRPr lang="zh-CN" altLang="en-US" sz="1600" dirty="0">
+              <a:solidFill>
+                <a:srgbClr val="7030A0"/>
+              </a:solidFill>
+            </a:endParaRPr>
+          </a:p>
+        </p:txBody>
+      </p:sp>
+      <p:sp>
+        <p:nvSpPr>
+          <p:cNvPr id="28" name="文本框 27">
+            <a:extLst>
+              <a:ext uri="{FF2B5EF4-FFF2-40B4-BE49-F238E27FC236}">
+                <a16:creationId xmlns:a16="http://schemas.microsoft.com/office/drawing/2014/main" id="{0111FC8A-6DA0-4C50-BE4B-C79886E8C338}"/>
+              </a:ext>
+            </a:extLst>
+          </p:cNvPr>
+          <p:cNvSpPr txBox="1"/>
+          <p:nvPr/>
+        </p:nvSpPr>
+        <p:spPr>
+          <a:xfrm>
+            <a:off x="2899547" y="1810958"/>
+            <a:ext cx="1320899" cy="336049"/>
+          </a:xfrm>
+          <a:prstGeom prst="rect">
+            <a:avLst/>
+          </a:prstGeom>
+          <a:noFill/>
+          <a:ln>
+            <a:solidFill>
+              <a:schemeClr val="bg1"/>
+            </a:solidFill>
+          </a:ln>
+        </p:spPr>
+        <p:txBody>
+          <a:bodyPr wrap="square" rtlCol="0">
+            <a:spAutoFit/>
+          </a:bodyPr>
+          <a:lstStyle/>
+          <a:p>
+            <a:pPr algn="ctr"/>
+            <a:r>
+              <a:rPr lang="en-US" altLang="zh-CN" sz="1600" dirty="0">
+                <a:solidFill>
+                  <a:srgbClr val="7030A0"/>
+                </a:solidFill>
+              </a:rPr>
+              <a:t>Secp256k1</a:t>
+            </a:r>
+            <a:endParaRPr lang="zh-CN" altLang="en-US" sz="1600" dirty="0">
+              <a:solidFill>
+                <a:srgbClr val="7030A0"/>
+              </a:solidFill>
+            </a:endParaRPr>
+          </a:p>
+        </p:txBody>
+      </p:sp>
+      <p:sp>
+        <p:nvSpPr>
+          <p:cNvPr id="34" name="文本框 33">
+            <a:extLst>
+              <a:ext uri="{FF2B5EF4-FFF2-40B4-BE49-F238E27FC236}">
+                <a16:creationId xmlns:a16="http://schemas.microsoft.com/office/drawing/2014/main" id="{CAB48048-F5F0-419E-AA13-F76D3B94D77D}"/>
+              </a:ext>
+            </a:extLst>
+          </p:cNvPr>
+          <p:cNvSpPr txBox="1"/>
+          <p:nvPr/>
+        </p:nvSpPr>
+        <p:spPr>
+          <a:xfrm>
+            <a:off x="6314312" y="4025281"/>
+            <a:ext cx="1560125" cy="519349"/>
+          </a:xfrm>
+          <a:prstGeom prst="rect">
+            <a:avLst/>
+          </a:prstGeom>
+          <a:noFill/>
+          <a:ln>
+            <a:solidFill>
+              <a:schemeClr val="tx1"/>
+            </a:solidFill>
+          </a:ln>
+        </p:spPr>
+        <p:txBody>
+          <a:bodyPr wrap="square" rtlCol="0">
+            <a:spAutoFit/>
+          </a:bodyPr>
+          <a:lstStyle/>
+          <a:p>
+            <a:pPr algn="ctr"/>
+            <a:r>
+              <a:rPr lang="en-US" altLang="zh-CN" sz="2800" dirty="0">
+                <a:solidFill>
+                  <a:schemeClr val="accent5"/>
+                </a:solidFill>
+              </a:rPr>
+              <a:t>ElGamal</a:t>
+            </a:r>
+            <a:endParaRPr lang="zh-CN" altLang="en-US" sz="2800" dirty="0">
+              <a:solidFill>
+                <a:schemeClr val="accent5"/>
+              </a:solidFill>
+            </a:endParaRPr>
+          </a:p>
+        </p:txBody>
+      </p:sp>
+    </p:spTree>
+    <p:extLst>
+      <p:ext uri="{BB962C8B-B14F-4D97-AF65-F5344CB8AC3E}">
+        <p14:creationId xmlns:p14="http://schemas.microsoft.com/office/powerpoint/2010/main" val="1703107607"/>
+      </p:ext>
+    </p:extLst>
+  </p:cSld>
+  <p:clrMapOvr>
+    <a:masterClrMapping/>
+  </p:clrMapOvr>
+</p:sld>
+</file>
+
 <file path=ppt/theme/theme1.xml><?xml version="1.0" encoding="utf-8"?>
 <a:theme xmlns:a="http://schemas.openxmlformats.org/drawingml/2006/main" name="Office 主题​​">
   <a:themeElements>
